--- a/C_Programming_Seminar_01.pptx
+++ b/C_Programming_Seminar_01.pptx
@@ -137,1037 +137,6 @@
 </p:cmAuthorLst>
 </file>
 
-<file path=ppt/changesInfos/changesInfo1.xml><?xml version="1.0" encoding="utf-8"?>
-<pc:chgInfo xmlns:a="http://schemas.openxmlformats.org/drawingml/2006/main" xmlns:r="http://schemas.openxmlformats.org/officeDocument/2006/relationships" xmlns:ac="http://schemas.microsoft.com/office/drawing/2013/main/command" xmlns:pc="http://schemas.microsoft.com/office/powerpoint/2013/main/command">
-  <pc:docChgLst>
-    <pc:chgData name="pugalgamerstamil@gmail.com" userId="eb978b10dc3c3342" providerId="LiveId" clId="{8EA54259-33E0-41F4-9BC4-7F8465EE9DB4}"/>
-    <pc:docChg chg="undo redo custSel addSld delSld modSld sldOrd">
-      <pc:chgData name="pugalgamerstamil@gmail.com" userId="eb978b10dc3c3342" providerId="LiveId" clId="{8EA54259-33E0-41F4-9BC4-7F8465EE9DB4}" dt="2024-05-05T14:59:21.189" v="3754" actId="1076"/>
-      <pc:docMkLst>
-        <pc:docMk/>
-      </pc:docMkLst>
-      <pc:sldChg chg="addSp delSp modSp mod modClrScheme addCm delCm chgLayout">
-        <pc:chgData name="pugalgamerstamil@gmail.com" userId="eb978b10dc3c3342" providerId="LiveId" clId="{8EA54259-33E0-41F4-9BC4-7F8465EE9DB4}" dt="2024-05-05T03:05:42.993" v="230" actId="2085"/>
-        <pc:sldMkLst>
-          <pc:docMk/>
-          <pc:sldMk cId="3840140476" sldId="256"/>
-        </pc:sldMkLst>
-        <pc:spChg chg="del">
-          <ac:chgData name="pugalgamerstamil@gmail.com" userId="eb978b10dc3c3342" providerId="LiveId" clId="{8EA54259-33E0-41F4-9BC4-7F8465EE9DB4}" dt="2024-05-05T02:49:57.252" v="2" actId="478"/>
-          <ac:spMkLst>
-            <pc:docMk/>
-            <pc:sldMk cId="3840140476" sldId="256"/>
-            <ac:spMk id="2" creationId="{337A4E90-FF74-4D5A-95EA-AD6DB1D2783C}"/>
-          </ac:spMkLst>
-        </pc:spChg>
-        <pc:spChg chg="del mod">
-          <ac:chgData name="pugalgamerstamil@gmail.com" userId="eb978b10dc3c3342" providerId="LiveId" clId="{8EA54259-33E0-41F4-9BC4-7F8465EE9DB4}" dt="2024-05-05T02:49:53.379" v="1" actId="478"/>
-          <ac:spMkLst>
-            <pc:docMk/>
-            <pc:sldMk cId="3840140476" sldId="256"/>
-            <ac:spMk id="3" creationId="{D0ED3C08-9209-44CD-BD4E-4C47EFE2076A}"/>
-          </ac:spMkLst>
-        </pc:spChg>
-        <pc:spChg chg="add del mod">
-          <ac:chgData name="pugalgamerstamil@gmail.com" userId="eb978b10dc3c3342" providerId="LiveId" clId="{8EA54259-33E0-41F4-9BC4-7F8465EE9DB4}" dt="2024-05-05T02:51:58.366" v="10"/>
-          <ac:spMkLst>
-            <pc:docMk/>
-            <pc:sldMk cId="3840140476" sldId="256"/>
-            <ac:spMk id="4" creationId="{B2A85428-9558-49A1-AAB8-D2C2CE63A3A8}"/>
-          </ac:spMkLst>
-        </pc:spChg>
-        <pc:spChg chg="add mod">
-          <ac:chgData name="pugalgamerstamil@gmail.com" userId="eb978b10dc3c3342" providerId="LiveId" clId="{8EA54259-33E0-41F4-9BC4-7F8465EE9DB4}" dt="2024-05-05T02:54:32.012" v="54" actId="20577"/>
-          <ac:spMkLst>
-            <pc:docMk/>
-            <pc:sldMk cId="3840140476" sldId="256"/>
-            <ac:spMk id="5" creationId="{34A56A1E-6537-4C14-B84E-4540EAE212E9}"/>
-          </ac:spMkLst>
-        </pc:spChg>
-        <pc:spChg chg="add mod">
-          <ac:chgData name="pugalgamerstamil@gmail.com" userId="eb978b10dc3c3342" providerId="LiveId" clId="{8EA54259-33E0-41F4-9BC4-7F8465EE9DB4}" dt="2024-05-05T03:02:59.953" v="222" actId="20577"/>
-          <ac:spMkLst>
-            <pc:docMk/>
-            <pc:sldMk cId="3840140476" sldId="256"/>
-            <ac:spMk id="6" creationId="{353A09AD-58F1-4C9B-B542-C602D642BC25}"/>
-          </ac:spMkLst>
-        </pc:spChg>
-        <pc:spChg chg="add mod">
-          <ac:chgData name="pugalgamerstamil@gmail.com" userId="eb978b10dc3c3342" providerId="LiveId" clId="{8EA54259-33E0-41F4-9BC4-7F8465EE9DB4}" dt="2024-05-05T03:05:42.993" v="230" actId="2085"/>
-          <ac:spMkLst>
-            <pc:docMk/>
-            <pc:sldMk cId="3840140476" sldId="256"/>
-            <ac:spMk id="11" creationId="{28524796-768C-48BF-BC85-35DE1F8B3D57}"/>
-          </ac:spMkLst>
-        </pc:spChg>
-        <pc:picChg chg="add mod">
-          <ac:chgData name="pugalgamerstamil@gmail.com" userId="eb978b10dc3c3342" providerId="LiveId" clId="{8EA54259-33E0-41F4-9BC4-7F8465EE9DB4}" dt="2024-05-05T03:03:07.424" v="224" actId="1076"/>
-          <ac:picMkLst>
-            <pc:docMk/>
-            <pc:sldMk cId="3840140476" sldId="256"/>
-            <ac:picMk id="8" creationId="{9D8EA79B-56F8-442E-A0BF-BE96D97E4B59}"/>
-          </ac:picMkLst>
-        </pc:picChg>
-        <pc:picChg chg="add mod">
-          <ac:chgData name="pugalgamerstamil@gmail.com" userId="eb978b10dc3c3342" providerId="LiveId" clId="{8EA54259-33E0-41F4-9BC4-7F8465EE9DB4}" dt="2024-05-05T03:03:04.887" v="223" actId="1076"/>
-          <ac:picMkLst>
-            <pc:docMk/>
-            <pc:sldMk cId="3840140476" sldId="256"/>
-            <ac:picMk id="10" creationId="{D7EEB818-1FA4-4109-AB16-05D041453938}"/>
-          </ac:picMkLst>
-        </pc:picChg>
-      </pc:sldChg>
-      <pc:sldChg chg="new del">
-        <pc:chgData name="pugalgamerstamil@gmail.com" userId="eb978b10dc3c3342" providerId="LiveId" clId="{8EA54259-33E0-41F4-9BC4-7F8465EE9DB4}" dt="2024-05-05T02:50:53.857" v="4" actId="47"/>
-        <pc:sldMkLst>
-          <pc:docMk/>
-          <pc:sldMk cId="86372755" sldId="257"/>
-        </pc:sldMkLst>
-      </pc:sldChg>
-      <pc:sldChg chg="addSp delSp modSp new mod">
-        <pc:chgData name="pugalgamerstamil@gmail.com" userId="eb978b10dc3c3342" providerId="LiveId" clId="{8EA54259-33E0-41F4-9BC4-7F8465EE9DB4}" dt="2024-05-05T03:33:41.578" v="797" actId="478"/>
-        <pc:sldMkLst>
-          <pc:docMk/>
-          <pc:sldMk cId="4278002139" sldId="257"/>
-        </pc:sldMkLst>
-        <pc:spChg chg="add del mod">
-          <ac:chgData name="pugalgamerstamil@gmail.com" userId="eb978b10dc3c3342" providerId="LiveId" clId="{8EA54259-33E0-41F4-9BC4-7F8465EE9DB4}" dt="2024-05-05T03:07:06.043" v="232" actId="478"/>
-          <ac:spMkLst>
-            <pc:docMk/>
-            <pc:sldMk cId="4278002139" sldId="257"/>
-            <ac:spMk id="2" creationId="{3B34E6FF-CF52-4CD3-A1A2-8A57766C07D9}"/>
-          </ac:spMkLst>
-        </pc:spChg>
-        <pc:spChg chg="add del mod">
-          <ac:chgData name="pugalgamerstamil@gmail.com" userId="eb978b10dc3c3342" providerId="LiveId" clId="{8EA54259-33E0-41F4-9BC4-7F8465EE9DB4}" dt="2024-05-05T03:07:41.340" v="235" actId="478"/>
-          <ac:spMkLst>
-            <pc:docMk/>
-            <pc:sldMk cId="4278002139" sldId="257"/>
-            <ac:spMk id="4" creationId="{B6DE8070-F12D-4843-A88D-0529A9CC070B}"/>
-          </ac:spMkLst>
-        </pc:spChg>
-        <pc:spChg chg="add mod">
-          <ac:chgData name="pugalgamerstamil@gmail.com" userId="eb978b10dc3c3342" providerId="LiveId" clId="{8EA54259-33E0-41F4-9BC4-7F8465EE9DB4}" dt="2024-05-05T03:08:26.241" v="251" actId="1076"/>
-          <ac:spMkLst>
-            <pc:docMk/>
-            <pc:sldMk cId="4278002139" sldId="257"/>
-            <ac:spMk id="5" creationId="{1555ABB0-D9EF-4181-B4A9-5AA5CB8A57BF}"/>
-          </ac:spMkLst>
-        </pc:spChg>
-        <pc:spChg chg="add del mod">
-          <ac:chgData name="pugalgamerstamil@gmail.com" userId="eb978b10dc3c3342" providerId="LiveId" clId="{8EA54259-33E0-41F4-9BC4-7F8465EE9DB4}" dt="2024-05-05T03:10:51.688" v="344" actId="20577"/>
-          <ac:spMkLst>
-            <pc:docMk/>
-            <pc:sldMk cId="4278002139" sldId="257"/>
-            <ac:spMk id="6" creationId="{B3A39B35-3111-4932-8EAC-3F96B0887EEF}"/>
-          </ac:spMkLst>
-        </pc:spChg>
-        <pc:spChg chg="add mod">
-          <ac:chgData name="pugalgamerstamil@gmail.com" userId="eb978b10dc3c3342" providerId="LiveId" clId="{8EA54259-33E0-41F4-9BC4-7F8465EE9DB4}" dt="2024-05-05T03:11:35.473" v="358" actId="1076"/>
-          <ac:spMkLst>
-            <pc:docMk/>
-            <pc:sldMk cId="4278002139" sldId="257"/>
-            <ac:spMk id="7" creationId="{11AE31C8-024B-4F20-B941-9D7512FB6476}"/>
-          </ac:spMkLst>
-        </pc:spChg>
-        <pc:spChg chg="add mod">
-          <ac:chgData name="pugalgamerstamil@gmail.com" userId="eb978b10dc3c3342" providerId="LiveId" clId="{8EA54259-33E0-41F4-9BC4-7F8465EE9DB4}" dt="2024-05-05T03:13:59.860" v="411" actId="1076"/>
-          <ac:spMkLst>
-            <pc:docMk/>
-            <pc:sldMk cId="4278002139" sldId="257"/>
-            <ac:spMk id="8" creationId="{C3FDE78E-4F34-4D8F-A176-0F40B52B1DE0}"/>
-          </ac:spMkLst>
-        </pc:spChg>
-        <pc:spChg chg="add mod">
-          <ac:chgData name="pugalgamerstamil@gmail.com" userId="eb978b10dc3c3342" providerId="LiveId" clId="{8EA54259-33E0-41F4-9BC4-7F8465EE9DB4}" dt="2024-05-05T03:14:35.244" v="428" actId="1076"/>
-          <ac:spMkLst>
-            <pc:docMk/>
-            <pc:sldMk cId="4278002139" sldId="257"/>
-            <ac:spMk id="9" creationId="{9548FA9B-E059-4CBD-918A-37A4FC10471F}"/>
-          </ac:spMkLst>
-        </pc:spChg>
-        <pc:spChg chg="add mod">
-          <ac:chgData name="pugalgamerstamil@gmail.com" userId="eb978b10dc3c3342" providerId="LiveId" clId="{8EA54259-33E0-41F4-9BC4-7F8465EE9DB4}" dt="2024-05-05T03:15:48.256" v="466" actId="20577"/>
-          <ac:spMkLst>
-            <pc:docMk/>
-            <pc:sldMk cId="4278002139" sldId="257"/>
-            <ac:spMk id="10" creationId="{E8D981D0-4EC1-4C2F-9FC3-5ED0CC55ED02}"/>
-          </ac:spMkLst>
-        </pc:spChg>
-        <pc:spChg chg="add del mod">
-          <ac:chgData name="pugalgamerstamil@gmail.com" userId="eb978b10dc3c3342" providerId="LiveId" clId="{8EA54259-33E0-41F4-9BC4-7F8465EE9DB4}" dt="2024-05-05T03:20:10.769" v="517"/>
-          <ac:spMkLst>
-            <pc:docMk/>
-            <pc:sldMk cId="4278002139" sldId="257"/>
-            <ac:spMk id="15" creationId="{FF19F915-BA6F-4C88-A1B1-9B546D8C1261}"/>
-          </ac:spMkLst>
-        </pc:spChg>
-        <pc:spChg chg="add mod">
-          <ac:chgData name="pugalgamerstamil@gmail.com" userId="eb978b10dc3c3342" providerId="LiveId" clId="{8EA54259-33E0-41F4-9BC4-7F8465EE9DB4}" dt="2024-05-05T03:20:45.202" v="523" actId="1076"/>
-          <ac:spMkLst>
-            <pc:docMk/>
-            <pc:sldMk cId="4278002139" sldId="257"/>
-            <ac:spMk id="16" creationId="{910B78EA-9CD3-44F9-9E6F-0327508E2E51}"/>
-          </ac:spMkLst>
-        </pc:spChg>
-        <pc:spChg chg="add del mod">
-          <ac:chgData name="pugalgamerstamil@gmail.com" userId="eb978b10dc3c3342" providerId="LiveId" clId="{8EA54259-33E0-41F4-9BC4-7F8465EE9DB4}" dt="2024-05-05T03:21:15.690" v="530"/>
-          <ac:spMkLst>
-            <pc:docMk/>
-            <pc:sldMk cId="4278002139" sldId="257"/>
-            <ac:spMk id="17" creationId="{80D6B609-01C0-4FB9-BC64-7D2E0E37A652}"/>
-          </ac:spMkLst>
-        </pc:spChg>
-        <pc:spChg chg="add del mod">
-          <ac:chgData name="pugalgamerstamil@gmail.com" userId="eb978b10dc3c3342" providerId="LiveId" clId="{8EA54259-33E0-41F4-9BC4-7F8465EE9DB4}" dt="2024-05-05T03:21:15.690" v="532"/>
-          <ac:spMkLst>
-            <pc:docMk/>
-            <pc:sldMk cId="4278002139" sldId="257"/>
-            <ac:spMk id="18" creationId="{32B49305-1C63-4781-B9E6-2B9569222B24}"/>
-          </ac:spMkLst>
-        </pc:spChg>
-        <pc:spChg chg="add del mod">
-          <ac:chgData name="pugalgamerstamil@gmail.com" userId="eb978b10dc3c3342" providerId="LiveId" clId="{8EA54259-33E0-41F4-9BC4-7F8465EE9DB4}" dt="2024-05-05T03:21:15.690" v="534"/>
-          <ac:spMkLst>
-            <pc:docMk/>
-            <pc:sldMk cId="4278002139" sldId="257"/>
-            <ac:spMk id="19" creationId="{DC180659-2057-481A-BA17-DB73E401A164}"/>
-          </ac:spMkLst>
-        </pc:spChg>
-        <pc:spChg chg="add del mod">
-          <ac:chgData name="pugalgamerstamil@gmail.com" userId="eb978b10dc3c3342" providerId="LiveId" clId="{8EA54259-33E0-41F4-9BC4-7F8465EE9DB4}" dt="2024-05-05T03:21:15.690" v="536"/>
-          <ac:spMkLst>
-            <pc:docMk/>
-            <pc:sldMk cId="4278002139" sldId="257"/>
-            <ac:spMk id="20" creationId="{BAB0AC83-3102-4DF0-AE85-10C149B8EFB5}"/>
-          </ac:spMkLst>
-        </pc:spChg>
-        <pc:spChg chg="add del mod">
-          <ac:chgData name="pugalgamerstamil@gmail.com" userId="eb978b10dc3c3342" providerId="LiveId" clId="{8EA54259-33E0-41F4-9BC4-7F8465EE9DB4}" dt="2024-05-05T03:21:15.690" v="538"/>
-          <ac:spMkLst>
-            <pc:docMk/>
-            <pc:sldMk cId="4278002139" sldId="257"/>
-            <ac:spMk id="21" creationId="{21114BE6-EB2A-480E-A893-7A9DD795D967}"/>
-          </ac:spMkLst>
-        </pc:spChg>
-        <pc:spChg chg="add mod">
-          <ac:chgData name="pugalgamerstamil@gmail.com" userId="eb978b10dc3c3342" providerId="LiveId" clId="{8EA54259-33E0-41F4-9BC4-7F8465EE9DB4}" dt="2024-05-05T03:22:23.206" v="558" actId="113"/>
-          <ac:spMkLst>
-            <pc:docMk/>
-            <pc:sldMk cId="4278002139" sldId="257"/>
-            <ac:spMk id="22" creationId="{3338E26E-7031-4E20-A28A-92CF2DB24AD6}"/>
-          </ac:spMkLst>
-        </pc:spChg>
-        <pc:spChg chg="add mod">
-          <ac:chgData name="pugalgamerstamil@gmail.com" userId="eb978b10dc3c3342" providerId="LiveId" clId="{8EA54259-33E0-41F4-9BC4-7F8465EE9DB4}" dt="2024-05-05T03:23:52.027" v="589" actId="113"/>
-          <ac:spMkLst>
-            <pc:docMk/>
-            <pc:sldMk cId="4278002139" sldId="257"/>
-            <ac:spMk id="23" creationId="{0865E755-9DAA-4D61-B092-B35BA3D1B045}"/>
-          </ac:spMkLst>
-        </pc:spChg>
-        <pc:spChg chg="add mod">
-          <ac:chgData name="pugalgamerstamil@gmail.com" userId="eb978b10dc3c3342" providerId="LiveId" clId="{8EA54259-33E0-41F4-9BC4-7F8465EE9DB4}" dt="2024-05-05T03:26:20.480" v="668" actId="1076"/>
-          <ac:spMkLst>
-            <pc:docMk/>
-            <pc:sldMk cId="4278002139" sldId="257"/>
-            <ac:spMk id="24" creationId="{0A273402-F182-467D-9D97-3233B47E8BCE}"/>
-          </ac:spMkLst>
-        </pc:spChg>
-        <pc:spChg chg="add mod">
-          <ac:chgData name="pugalgamerstamil@gmail.com" userId="eb978b10dc3c3342" providerId="LiveId" clId="{8EA54259-33E0-41F4-9BC4-7F8465EE9DB4}" dt="2024-05-05T03:27:15.265" v="675" actId="1076"/>
-          <ac:spMkLst>
-            <pc:docMk/>
-            <pc:sldMk cId="4278002139" sldId="257"/>
-            <ac:spMk id="25" creationId="{3CD70B79-0F7E-4A18-AF2B-4575CAAAB96A}"/>
-          </ac:spMkLst>
-        </pc:spChg>
-        <pc:spChg chg="add del mod">
-          <ac:chgData name="pugalgamerstamil@gmail.com" userId="eb978b10dc3c3342" providerId="LiveId" clId="{8EA54259-33E0-41F4-9BC4-7F8465EE9DB4}" dt="2024-05-05T03:28:31.131" v="679" actId="478"/>
-          <ac:spMkLst>
-            <pc:docMk/>
-            <pc:sldMk cId="4278002139" sldId="257"/>
-            <ac:spMk id="26" creationId="{E5E7FDEC-C93A-470E-943A-397C8D761C1D}"/>
-          </ac:spMkLst>
-        </pc:spChg>
-        <pc:spChg chg="add del mod">
-          <ac:chgData name="pugalgamerstamil@gmail.com" userId="eb978b10dc3c3342" providerId="LiveId" clId="{8EA54259-33E0-41F4-9BC4-7F8465EE9DB4}" dt="2024-05-05T03:33:41.578" v="797" actId="478"/>
-          <ac:spMkLst>
-            <pc:docMk/>
-            <pc:sldMk cId="4278002139" sldId="257"/>
-            <ac:spMk id="27" creationId="{F4FB5339-DCF7-4442-8C3E-5934DA0798FB}"/>
-          </ac:spMkLst>
-        </pc:spChg>
-        <pc:spChg chg="add del mod">
-          <ac:chgData name="pugalgamerstamil@gmail.com" userId="eb978b10dc3c3342" providerId="LiveId" clId="{8EA54259-33E0-41F4-9BC4-7F8465EE9DB4}" dt="2024-05-05T03:33:38.700" v="796" actId="478"/>
-          <ac:spMkLst>
-            <pc:docMk/>
-            <pc:sldMk cId="4278002139" sldId="257"/>
-            <ac:spMk id="28" creationId="{C039F89F-B490-417D-B021-6865D05CB512}"/>
-          </ac:spMkLst>
-        </pc:spChg>
-        <pc:spChg chg="add del mod">
-          <ac:chgData name="pugalgamerstamil@gmail.com" userId="eb978b10dc3c3342" providerId="LiveId" clId="{8EA54259-33E0-41F4-9BC4-7F8465EE9DB4}" dt="2024-05-05T03:33:38.700" v="796" actId="478"/>
-          <ac:spMkLst>
-            <pc:docMk/>
-            <pc:sldMk cId="4278002139" sldId="257"/>
-            <ac:spMk id="29" creationId="{84199F0A-292F-4E46-B7A0-DFD56DBCDE1A}"/>
-          </ac:spMkLst>
-        </pc:spChg>
-        <pc:spChg chg="add del mod">
-          <ac:chgData name="pugalgamerstamil@gmail.com" userId="eb978b10dc3c3342" providerId="LiveId" clId="{8EA54259-33E0-41F4-9BC4-7F8465EE9DB4}" dt="2024-05-05T03:33:38.700" v="796" actId="478"/>
-          <ac:spMkLst>
-            <pc:docMk/>
-            <pc:sldMk cId="4278002139" sldId="257"/>
-            <ac:spMk id="30" creationId="{BE42E814-48FB-4F3C-97DB-639E7E674F11}"/>
-          </ac:spMkLst>
-        </pc:spChg>
-        <pc:spChg chg="add del mod">
-          <ac:chgData name="pugalgamerstamil@gmail.com" userId="eb978b10dc3c3342" providerId="LiveId" clId="{8EA54259-33E0-41F4-9BC4-7F8465EE9DB4}" dt="2024-05-05T03:33:38.700" v="796" actId="478"/>
-          <ac:spMkLst>
-            <pc:docMk/>
-            <pc:sldMk cId="4278002139" sldId="257"/>
-            <ac:spMk id="31" creationId="{B693E194-F3E0-4135-B4F1-A6AED6BA2479}"/>
-          </ac:spMkLst>
-        </pc:spChg>
-        <pc:picChg chg="add mod ord">
-          <ac:chgData name="pugalgamerstamil@gmail.com" userId="eb978b10dc3c3342" providerId="LiveId" clId="{8EA54259-33E0-41F4-9BC4-7F8465EE9DB4}" dt="2024-05-05T03:17:54.553" v="487" actId="1076"/>
-          <ac:picMkLst>
-            <pc:docMk/>
-            <pc:sldMk cId="4278002139" sldId="257"/>
-            <ac:picMk id="12" creationId="{850B92D1-93E7-49E5-84F2-E58D518F45B0}"/>
-          </ac:picMkLst>
-        </pc:picChg>
-        <pc:picChg chg="add mod">
-          <ac:chgData name="pugalgamerstamil@gmail.com" userId="eb978b10dc3c3342" providerId="LiveId" clId="{8EA54259-33E0-41F4-9BC4-7F8465EE9DB4}" dt="2024-05-05T03:21:23.381" v="540" actId="1076"/>
-          <ac:picMkLst>
-            <pc:docMk/>
-            <pc:sldMk cId="4278002139" sldId="257"/>
-            <ac:picMk id="14" creationId="{730C7ADC-28B5-4490-B8ED-0A3C9851E45F}"/>
-          </ac:picMkLst>
-        </pc:picChg>
-      </pc:sldChg>
-      <pc:sldChg chg="addSp modSp new mod">
-        <pc:chgData name="pugalgamerstamil@gmail.com" userId="eb978b10dc3c3342" providerId="LiveId" clId="{8EA54259-33E0-41F4-9BC4-7F8465EE9DB4}" dt="2024-05-05T03:53:05.130" v="1249" actId="2085"/>
-        <pc:sldMkLst>
-          <pc:docMk/>
-          <pc:sldMk cId="963144940" sldId="258"/>
-        </pc:sldMkLst>
-        <pc:spChg chg="add mod">
-          <ac:chgData name="pugalgamerstamil@gmail.com" userId="eb978b10dc3c3342" providerId="LiveId" clId="{8EA54259-33E0-41F4-9BC4-7F8465EE9DB4}" dt="2024-05-05T03:34:15.198" v="807" actId="1076"/>
-          <ac:spMkLst>
-            <pc:docMk/>
-            <pc:sldMk cId="963144940" sldId="258"/>
-            <ac:spMk id="2" creationId="{7BFA22B9-583D-4C1F-B456-B8730C47B7D9}"/>
-          </ac:spMkLst>
-        </pc:spChg>
-        <pc:spChg chg="add mod">
-          <ac:chgData name="pugalgamerstamil@gmail.com" userId="eb978b10dc3c3342" providerId="LiveId" clId="{8EA54259-33E0-41F4-9BC4-7F8465EE9DB4}" dt="2024-05-05T03:34:18.060" v="808" actId="1076"/>
-          <ac:spMkLst>
-            <pc:docMk/>
-            <pc:sldMk cId="963144940" sldId="258"/>
-            <ac:spMk id="3" creationId="{E734A60E-9B87-4207-93AA-E832F0A44221}"/>
-          </ac:spMkLst>
-        </pc:spChg>
-        <pc:spChg chg="add mod">
-          <ac:chgData name="pugalgamerstamil@gmail.com" userId="eb978b10dc3c3342" providerId="LiveId" clId="{8EA54259-33E0-41F4-9BC4-7F8465EE9DB4}" dt="2024-05-05T03:35:14.329" v="819" actId="1076"/>
-          <ac:spMkLst>
-            <pc:docMk/>
-            <pc:sldMk cId="963144940" sldId="258"/>
-            <ac:spMk id="4" creationId="{CE27CDEB-1A15-4B3C-B6AC-8785D324A6DA}"/>
-          </ac:spMkLst>
-        </pc:spChg>
-        <pc:spChg chg="add mod">
-          <ac:chgData name="pugalgamerstamil@gmail.com" userId="eb978b10dc3c3342" providerId="LiveId" clId="{8EA54259-33E0-41F4-9BC4-7F8465EE9DB4}" dt="2024-05-05T03:34:35.112" v="812" actId="1076"/>
-          <ac:spMkLst>
-            <pc:docMk/>
-            <pc:sldMk cId="963144940" sldId="258"/>
-            <ac:spMk id="5" creationId="{6A619B29-AC30-4FE1-B8CF-7517C39B45E6}"/>
-          </ac:spMkLst>
-        </pc:spChg>
-        <pc:spChg chg="add mod">
-          <ac:chgData name="pugalgamerstamil@gmail.com" userId="eb978b10dc3c3342" providerId="LiveId" clId="{8EA54259-33E0-41F4-9BC4-7F8465EE9DB4}" dt="2024-05-05T03:34:21.587" v="809" actId="1076"/>
-          <ac:spMkLst>
-            <pc:docMk/>
-            <pc:sldMk cId="963144940" sldId="258"/>
-            <ac:spMk id="6" creationId="{73D004BC-A966-4785-A273-519A9E1086BD}"/>
-          </ac:spMkLst>
-        </pc:spChg>
-        <pc:spChg chg="add mod">
-          <ac:chgData name="pugalgamerstamil@gmail.com" userId="eb978b10dc3c3342" providerId="LiveId" clId="{8EA54259-33E0-41F4-9BC4-7F8465EE9DB4}" dt="2024-05-05T03:35:59.453" v="832" actId="14100"/>
-          <ac:spMkLst>
-            <pc:docMk/>
-            <pc:sldMk cId="963144940" sldId="258"/>
-            <ac:spMk id="7" creationId="{8C6B2E73-2E67-4104-A0B8-9A328BC50EFD}"/>
-          </ac:spMkLst>
-        </pc:spChg>
-        <pc:spChg chg="add mod">
-          <ac:chgData name="pugalgamerstamil@gmail.com" userId="eb978b10dc3c3342" providerId="LiveId" clId="{8EA54259-33E0-41F4-9BC4-7F8465EE9DB4}" dt="2024-05-05T03:41:09.608" v="930" actId="1076"/>
-          <ac:spMkLst>
-            <pc:docMk/>
-            <pc:sldMk cId="963144940" sldId="258"/>
-            <ac:spMk id="8" creationId="{EBF86562-3862-4B37-89C2-594CC85BCAB8}"/>
-          </ac:spMkLst>
-        </pc:spChg>
-        <pc:spChg chg="add mod">
-          <ac:chgData name="pugalgamerstamil@gmail.com" userId="eb978b10dc3c3342" providerId="LiveId" clId="{8EA54259-33E0-41F4-9BC4-7F8465EE9DB4}" dt="2024-05-05T03:43:31.358" v="1011" actId="1076"/>
-          <ac:spMkLst>
-            <pc:docMk/>
-            <pc:sldMk cId="963144940" sldId="258"/>
-            <ac:spMk id="9" creationId="{3DDC3DE3-3DEE-47BE-8392-AE5F436C9DC6}"/>
-          </ac:spMkLst>
-        </pc:spChg>
-        <pc:spChg chg="add mod">
-          <ac:chgData name="pugalgamerstamil@gmail.com" userId="eb978b10dc3c3342" providerId="LiveId" clId="{8EA54259-33E0-41F4-9BC4-7F8465EE9DB4}" dt="2024-05-05T03:44:06.841" v="1017" actId="1076"/>
-          <ac:spMkLst>
-            <pc:docMk/>
-            <pc:sldMk cId="963144940" sldId="258"/>
-            <ac:spMk id="10" creationId="{DC303FBC-18CC-444F-AEAE-3B1B7F1E504D}"/>
-          </ac:spMkLst>
-        </pc:spChg>
-        <pc:spChg chg="add mod">
-          <ac:chgData name="pugalgamerstamil@gmail.com" userId="eb978b10dc3c3342" providerId="LiveId" clId="{8EA54259-33E0-41F4-9BC4-7F8465EE9DB4}" dt="2024-05-05T03:45:07.363" v="1030" actId="20577"/>
-          <ac:spMkLst>
-            <pc:docMk/>
-            <pc:sldMk cId="963144940" sldId="258"/>
-            <ac:spMk id="11" creationId="{33913BB8-0FAA-48AB-AF6B-48D66EDC30C6}"/>
-          </ac:spMkLst>
-        </pc:spChg>
-        <pc:spChg chg="add mod">
-          <ac:chgData name="pugalgamerstamil@gmail.com" userId="eb978b10dc3c3342" providerId="LiveId" clId="{8EA54259-33E0-41F4-9BC4-7F8465EE9DB4}" dt="2024-05-05T03:49:40.543" v="1180" actId="12"/>
-          <ac:spMkLst>
-            <pc:docMk/>
-            <pc:sldMk cId="963144940" sldId="258"/>
-            <ac:spMk id="12" creationId="{D38D7180-73C8-4E1E-94B8-8AB04E6B5757}"/>
-          </ac:spMkLst>
-        </pc:spChg>
-        <pc:spChg chg="add mod">
-          <ac:chgData name="pugalgamerstamil@gmail.com" userId="eb978b10dc3c3342" providerId="LiveId" clId="{8EA54259-33E0-41F4-9BC4-7F8465EE9DB4}" dt="2024-05-05T03:49:47.820" v="1181" actId="1076"/>
-          <ac:spMkLst>
-            <pc:docMk/>
-            <pc:sldMk cId="963144940" sldId="258"/>
-            <ac:spMk id="13" creationId="{AF45BE87-BE3E-4D5B-A8AC-4997359D2A12}"/>
-          </ac:spMkLst>
-        </pc:spChg>
-        <pc:spChg chg="add mod">
-          <ac:chgData name="pugalgamerstamil@gmail.com" userId="eb978b10dc3c3342" providerId="LiveId" clId="{8EA54259-33E0-41F4-9BC4-7F8465EE9DB4}" dt="2024-05-05T03:52:17.602" v="1232" actId="1076"/>
-          <ac:spMkLst>
-            <pc:docMk/>
-            <pc:sldMk cId="963144940" sldId="258"/>
-            <ac:spMk id="14" creationId="{18DE7F4D-ADDE-41A6-8230-599622A2C3CC}"/>
-          </ac:spMkLst>
-        </pc:spChg>
-        <pc:spChg chg="add mod">
-          <ac:chgData name="pugalgamerstamil@gmail.com" userId="eb978b10dc3c3342" providerId="LiveId" clId="{8EA54259-33E0-41F4-9BC4-7F8465EE9DB4}" dt="2024-05-05T03:52:42.027" v="1246" actId="20577"/>
-          <ac:spMkLst>
-            <pc:docMk/>
-            <pc:sldMk cId="963144940" sldId="258"/>
-            <ac:spMk id="15" creationId="{66361C2B-6D9E-4127-AA6E-FB9AE0A22A46}"/>
-          </ac:spMkLst>
-        </pc:spChg>
-        <pc:spChg chg="add mod">
-          <ac:chgData name="pugalgamerstamil@gmail.com" userId="eb978b10dc3c3342" providerId="LiveId" clId="{8EA54259-33E0-41F4-9BC4-7F8465EE9DB4}" dt="2024-05-05T03:53:05.130" v="1249" actId="2085"/>
-          <ac:spMkLst>
-            <pc:docMk/>
-            <pc:sldMk cId="963144940" sldId="258"/>
-            <ac:spMk id="16" creationId="{9538F659-3231-42F6-8A0D-04BE8EF4783E}"/>
-          </ac:spMkLst>
-        </pc:spChg>
-      </pc:sldChg>
-      <pc:sldChg chg="addSp delSp modSp new mod">
-        <pc:chgData name="pugalgamerstamil@gmail.com" userId="eb978b10dc3c3342" providerId="LiveId" clId="{8EA54259-33E0-41F4-9BC4-7F8465EE9DB4}" dt="2024-05-05T12:36:50.562" v="2682" actId="20577"/>
-        <pc:sldMkLst>
-          <pc:docMk/>
-          <pc:sldMk cId="1369179518" sldId="259"/>
-        </pc:sldMkLst>
-        <pc:spChg chg="add mod">
-          <ac:chgData name="pugalgamerstamil@gmail.com" userId="eb978b10dc3c3342" providerId="LiveId" clId="{8EA54259-33E0-41F4-9BC4-7F8465EE9DB4}" dt="2024-05-05T03:57:05.586" v="1290" actId="1076"/>
-          <ac:spMkLst>
-            <pc:docMk/>
-            <pc:sldMk cId="1369179518" sldId="259"/>
-            <ac:spMk id="2" creationId="{7F915C3B-7A32-4D90-BD06-199128C68235}"/>
-          </ac:spMkLst>
-        </pc:spChg>
-        <pc:spChg chg="add mod">
-          <ac:chgData name="pugalgamerstamil@gmail.com" userId="eb978b10dc3c3342" providerId="LiveId" clId="{8EA54259-33E0-41F4-9BC4-7F8465EE9DB4}" dt="2024-05-05T03:56:44.977" v="1283" actId="1076"/>
-          <ac:spMkLst>
-            <pc:docMk/>
-            <pc:sldMk cId="1369179518" sldId="259"/>
-            <ac:spMk id="3" creationId="{6A3267E3-D9CD-4DF4-A8E2-24A0B7710043}"/>
-          </ac:spMkLst>
-        </pc:spChg>
-        <pc:spChg chg="add del mod">
-          <ac:chgData name="pugalgamerstamil@gmail.com" userId="eb978b10dc3c3342" providerId="LiveId" clId="{8EA54259-33E0-41F4-9BC4-7F8465EE9DB4}" dt="2024-05-05T03:55:23.049" v="1270" actId="767"/>
-          <ac:spMkLst>
-            <pc:docMk/>
-            <pc:sldMk cId="1369179518" sldId="259"/>
-            <ac:spMk id="4" creationId="{E85E53DD-3483-402B-BA76-68425157736A}"/>
-          </ac:spMkLst>
-        </pc:spChg>
-        <pc:graphicFrameChg chg="add del mod">
-          <ac:chgData name="pugalgamerstamil@gmail.com" userId="eb978b10dc3c3342" providerId="LiveId" clId="{8EA54259-33E0-41F4-9BC4-7F8465EE9DB4}" dt="2024-05-05T03:56:42.307" v="1281" actId="3680"/>
-          <ac:graphicFrameMkLst>
-            <pc:docMk/>
-            <pc:sldMk cId="1369179518" sldId="259"/>
-            <ac:graphicFrameMk id="5" creationId="{84C354F7-DD7C-4F4D-9F34-FCB7FC50EC04}"/>
-          </ac:graphicFrameMkLst>
-        </pc:graphicFrameChg>
-        <pc:graphicFrameChg chg="add mod modGraphic">
-          <ac:chgData name="pugalgamerstamil@gmail.com" userId="eb978b10dc3c3342" providerId="LiveId" clId="{8EA54259-33E0-41F4-9BC4-7F8465EE9DB4}" dt="2024-05-05T12:36:50.562" v="2682" actId="20577"/>
-          <ac:graphicFrameMkLst>
-            <pc:docMk/>
-            <pc:sldMk cId="1369179518" sldId="259"/>
-            <ac:graphicFrameMk id="6" creationId="{E8FECCA3-3864-4028-924E-A72B4C02D244}"/>
-          </ac:graphicFrameMkLst>
-        </pc:graphicFrameChg>
-      </pc:sldChg>
-      <pc:sldChg chg="addSp modSp new mod">
-        <pc:chgData name="pugalgamerstamil@gmail.com" userId="eb978b10dc3c3342" providerId="LiveId" clId="{8EA54259-33E0-41F4-9BC4-7F8465EE9DB4}" dt="2024-05-05T04:54:18.593" v="2518" actId="1076"/>
-        <pc:sldMkLst>
-          <pc:docMk/>
-          <pc:sldMk cId="1532752432" sldId="260"/>
-        </pc:sldMkLst>
-        <pc:spChg chg="add mod">
-          <ac:chgData name="pugalgamerstamil@gmail.com" userId="eb978b10dc3c3342" providerId="LiveId" clId="{8EA54259-33E0-41F4-9BC4-7F8465EE9DB4}" dt="2024-05-05T04:41:11.738" v="2061" actId="2711"/>
-          <ac:spMkLst>
-            <pc:docMk/>
-            <pc:sldMk cId="1532752432" sldId="260"/>
-            <ac:spMk id="2" creationId="{4FD252DA-B1A0-4DB3-8B7A-31B70E67CBA9}"/>
-          </ac:spMkLst>
-        </pc:spChg>
-        <pc:spChg chg="add mod">
-          <ac:chgData name="pugalgamerstamil@gmail.com" userId="eb978b10dc3c3342" providerId="LiveId" clId="{8EA54259-33E0-41F4-9BC4-7F8465EE9DB4}" dt="2024-05-05T04:49:54.985" v="2371" actId="207"/>
-          <ac:spMkLst>
-            <pc:docMk/>
-            <pc:sldMk cId="1532752432" sldId="260"/>
-            <ac:spMk id="4" creationId="{F2A905C2-6396-42E6-A861-B2A90F0E757D}"/>
-          </ac:spMkLst>
-        </pc:spChg>
-        <pc:spChg chg="add mod">
-          <ac:chgData name="pugalgamerstamil@gmail.com" userId="eb978b10dc3c3342" providerId="LiveId" clId="{8EA54259-33E0-41F4-9BC4-7F8465EE9DB4}" dt="2024-05-05T04:50:53.624" v="2438" actId="20577"/>
-          <ac:spMkLst>
-            <pc:docMk/>
-            <pc:sldMk cId="1532752432" sldId="260"/>
-            <ac:spMk id="5" creationId="{7BAE69AB-6EEF-428A-A8D3-2536873BA2BB}"/>
-          </ac:spMkLst>
-        </pc:spChg>
-        <pc:spChg chg="add mod">
-          <ac:chgData name="pugalgamerstamil@gmail.com" userId="eb978b10dc3c3342" providerId="LiveId" clId="{8EA54259-33E0-41F4-9BC4-7F8465EE9DB4}" dt="2024-05-05T04:51:26.408" v="2440" actId="1076"/>
-          <ac:spMkLst>
-            <pc:docMk/>
-            <pc:sldMk cId="1532752432" sldId="260"/>
-            <ac:spMk id="6" creationId="{63D317FC-348A-43B9-9050-B92E672AC70F}"/>
-          </ac:spMkLst>
-        </pc:spChg>
-        <pc:spChg chg="add mod">
-          <ac:chgData name="pugalgamerstamil@gmail.com" userId="eb978b10dc3c3342" providerId="LiveId" clId="{8EA54259-33E0-41F4-9BC4-7F8465EE9DB4}" dt="2024-05-05T04:53:02.352" v="2492" actId="20577"/>
-          <ac:spMkLst>
-            <pc:docMk/>
-            <pc:sldMk cId="1532752432" sldId="260"/>
-            <ac:spMk id="7" creationId="{7E027036-FF62-4449-9217-046813B17E8C}"/>
-          </ac:spMkLst>
-        </pc:spChg>
-        <pc:spChg chg="add mod">
-          <ac:chgData name="pugalgamerstamil@gmail.com" userId="eb978b10dc3c3342" providerId="LiveId" clId="{8EA54259-33E0-41F4-9BC4-7F8465EE9DB4}" dt="2024-05-05T04:54:04.181" v="2516" actId="1076"/>
-          <ac:spMkLst>
-            <pc:docMk/>
-            <pc:sldMk cId="1532752432" sldId="260"/>
-            <ac:spMk id="8" creationId="{8965D562-9CBC-43CD-BC29-ED3E8876290E}"/>
-          </ac:spMkLst>
-        </pc:spChg>
-        <pc:spChg chg="add mod">
-          <ac:chgData name="pugalgamerstamil@gmail.com" userId="eb978b10dc3c3342" providerId="LiveId" clId="{8EA54259-33E0-41F4-9BC4-7F8465EE9DB4}" dt="2024-05-05T04:54:18.593" v="2518" actId="1076"/>
-          <ac:spMkLst>
-            <pc:docMk/>
-            <pc:sldMk cId="1532752432" sldId="260"/>
-            <ac:spMk id="9" creationId="{E4F1B740-B39B-439B-9820-EB2A2E5E9759}"/>
-          </ac:spMkLst>
-        </pc:spChg>
-        <pc:graphicFrameChg chg="add mod modGraphic">
-          <ac:chgData name="pugalgamerstamil@gmail.com" userId="eb978b10dc3c3342" providerId="LiveId" clId="{8EA54259-33E0-41F4-9BC4-7F8465EE9DB4}" dt="2024-05-05T04:47:04.207" v="2325" actId="20577"/>
-          <ac:graphicFrameMkLst>
-            <pc:docMk/>
-            <pc:sldMk cId="1532752432" sldId="260"/>
-            <ac:graphicFrameMk id="3" creationId="{6A7C5FAD-81CF-4DE4-A043-D91D28A81339}"/>
-          </ac:graphicFrameMkLst>
-        </pc:graphicFrameChg>
-      </pc:sldChg>
-      <pc:sldChg chg="addSp modSp new mod">
-        <pc:chgData name="pugalgamerstamil@gmail.com" userId="eb978b10dc3c3342" providerId="LiveId" clId="{8EA54259-33E0-41F4-9BC4-7F8465EE9DB4}" dt="2024-05-05T05:54:23.997" v="2654" actId="207"/>
-        <pc:sldMkLst>
-          <pc:docMk/>
-          <pc:sldMk cId="3695890729" sldId="261"/>
-        </pc:sldMkLst>
-        <pc:spChg chg="add mod">
-          <ac:chgData name="pugalgamerstamil@gmail.com" userId="eb978b10dc3c3342" providerId="LiveId" clId="{8EA54259-33E0-41F4-9BC4-7F8465EE9DB4}" dt="2024-05-05T05:36:02.458" v="2556" actId="113"/>
-          <ac:spMkLst>
-            <pc:docMk/>
-            <pc:sldMk cId="3695890729" sldId="261"/>
-            <ac:spMk id="2" creationId="{27E755DC-794A-4F9E-ABCC-509CD6337BDE}"/>
-          </ac:spMkLst>
-        </pc:spChg>
-        <pc:spChg chg="add mod">
-          <ac:chgData name="pugalgamerstamil@gmail.com" userId="eb978b10dc3c3342" providerId="LiveId" clId="{8EA54259-33E0-41F4-9BC4-7F8465EE9DB4}" dt="2024-05-05T05:54:23.997" v="2654" actId="207"/>
-          <ac:spMkLst>
-            <pc:docMk/>
-            <pc:sldMk cId="3695890729" sldId="261"/>
-            <ac:spMk id="4" creationId="{03B9062A-6567-4DEC-96F7-9723BCCF0AB1}"/>
-          </ac:spMkLst>
-        </pc:spChg>
-        <pc:spChg chg="add mod">
-          <ac:chgData name="pugalgamerstamil@gmail.com" userId="eb978b10dc3c3342" providerId="LiveId" clId="{8EA54259-33E0-41F4-9BC4-7F8465EE9DB4}" dt="2024-05-05T05:46:10.445" v="2625" actId="1076"/>
-          <ac:spMkLst>
-            <pc:docMk/>
-            <pc:sldMk cId="3695890729" sldId="261"/>
-            <ac:spMk id="6" creationId="{B0AC9318-0277-4DE5-B91D-1808B4D7C462}"/>
-          </ac:spMkLst>
-        </pc:spChg>
-        <pc:spChg chg="add mod">
-          <ac:chgData name="pugalgamerstamil@gmail.com" userId="eb978b10dc3c3342" providerId="LiveId" clId="{8EA54259-33E0-41F4-9BC4-7F8465EE9DB4}" dt="2024-05-05T05:46:13.941" v="2626" actId="1076"/>
-          <ac:spMkLst>
-            <pc:docMk/>
-            <pc:sldMk cId="3695890729" sldId="261"/>
-            <ac:spMk id="7" creationId="{1753F7DA-D692-4175-8819-622B531E5B5F}"/>
-          </ac:spMkLst>
-        </pc:spChg>
-      </pc:sldChg>
-      <pc:sldChg chg="addSp modSp new mod">
-        <pc:chgData name="pugalgamerstamil@gmail.com" userId="eb978b10dc3c3342" providerId="LiveId" clId="{8EA54259-33E0-41F4-9BC4-7F8465EE9DB4}" dt="2024-05-05T05:57:13.770" v="2679" actId="313"/>
-        <pc:sldMkLst>
-          <pc:docMk/>
-          <pc:sldMk cId="3752110397" sldId="262"/>
-        </pc:sldMkLst>
-        <pc:spChg chg="add mod">
-          <ac:chgData name="pugalgamerstamil@gmail.com" userId="eb978b10dc3c3342" providerId="LiveId" clId="{8EA54259-33E0-41F4-9BC4-7F8465EE9DB4}" dt="2024-05-05T05:51:44.093" v="2634" actId="20577"/>
-          <ac:spMkLst>
-            <pc:docMk/>
-            <pc:sldMk cId="3752110397" sldId="262"/>
-            <ac:spMk id="2" creationId="{99F711AA-B140-43A2-A815-6317A4C72B18}"/>
-          </ac:spMkLst>
-        </pc:spChg>
-        <pc:spChg chg="add mod">
-          <ac:chgData name="pugalgamerstamil@gmail.com" userId="eb978b10dc3c3342" providerId="LiveId" clId="{8EA54259-33E0-41F4-9BC4-7F8465EE9DB4}" dt="2024-05-05T05:57:13.770" v="2679" actId="313"/>
-          <ac:spMkLst>
-            <pc:docMk/>
-            <pc:sldMk cId="3752110397" sldId="262"/>
-            <ac:spMk id="3" creationId="{9E44BE1C-0E98-48C9-AEBB-B64610986F34}"/>
-          </ac:spMkLst>
-        </pc:spChg>
-        <pc:spChg chg="add mod">
-          <ac:chgData name="pugalgamerstamil@gmail.com" userId="eb978b10dc3c3342" providerId="LiveId" clId="{8EA54259-33E0-41F4-9BC4-7F8465EE9DB4}" dt="2024-05-05T05:56:23.145" v="2674" actId="1076"/>
-          <ac:spMkLst>
-            <pc:docMk/>
-            <pc:sldMk cId="3752110397" sldId="262"/>
-            <ac:spMk id="4" creationId="{3C91A286-C04D-41D5-8203-89DDB5DB6E91}"/>
-          </ac:spMkLst>
-        </pc:spChg>
-        <pc:spChg chg="add mod">
-          <ac:chgData name="pugalgamerstamil@gmail.com" userId="eb978b10dc3c3342" providerId="LiveId" clId="{8EA54259-33E0-41F4-9BC4-7F8465EE9DB4}" dt="2024-05-05T05:56:37.886" v="2677" actId="1076"/>
-          <ac:spMkLst>
-            <pc:docMk/>
-            <pc:sldMk cId="3752110397" sldId="262"/>
-            <ac:spMk id="5" creationId="{A79A7724-7E8C-4710-9291-E82E47C92047}"/>
-          </ac:spMkLst>
-        </pc:spChg>
-      </pc:sldChg>
-      <pc:sldChg chg="addSp modSp new mod ord">
-        <pc:chgData name="pugalgamerstamil@gmail.com" userId="eb978b10dc3c3342" providerId="LiveId" clId="{8EA54259-33E0-41F4-9BC4-7F8465EE9DB4}" dt="2024-05-05T13:27:55.280" v="2839"/>
-        <pc:sldMkLst>
-          <pc:docMk/>
-          <pc:sldMk cId="2951670159" sldId="263"/>
-        </pc:sldMkLst>
-        <pc:spChg chg="add mod">
-          <ac:chgData name="pugalgamerstamil@gmail.com" userId="eb978b10dc3c3342" providerId="LiveId" clId="{8EA54259-33E0-41F4-9BC4-7F8465EE9DB4}" dt="2024-05-05T13:03:20.703" v="2688" actId="1076"/>
-          <ac:spMkLst>
-            <pc:docMk/>
-            <pc:sldMk cId="2951670159" sldId="263"/>
-            <ac:spMk id="2" creationId="{5D67DCC7-6C14-41AB-998F-2DB39D74E6B9}"/>
-          </ac:spMkLst>
-        </pc:spChg>
-        <pc:spChg chg="add mod">
-          <ac:chgData name="pugalgamerstamil@gmail.com" userId="eb978b10dc3c3342" providerId="LiveId" clId="{8EA54259-33E0-41F4-9BC4-7F8465EE9DB4}" dt="2024-05-05T13:23:53.144" v="2758" actId="20577"/>
-          <ac:spMkLst>
-            <pc:docMk/>
-            <pc:sldMk cId="2951670159" sldId="263"/>
-            <ac:spMk id="4" creationId="{5FB0F6E9-5CCE-4633-9A96-D2DC04050F94}"/>
-          </ac:spMkLst>
-        </pc:spChg>
-        <pc:spChg chg="add mod">
-          <ac:chgData name="pugalgamerstamil@gmail.com" userId="eb978b10dc3c3342" providerId="LiveId" clId="{8EA54259-33E0-41F4-9BC4-7F8465EE9DB4}" dt="2024-05-05T13:25:44.915" v="2810" actId="1076"/>
-          <ac:spMkLst>
-            <pc:docMk/>
-            <pc:sldMk cId="2951670159" sldId="263"/>
-            <ac:spMk id="5" creationId="{A1D8285D-A0CA-4918-BA38-065E65174126}"/>
-          </ac:spMkLst>
-        </pc:spChg>
-        <pc:spChg chg="add mod">
-          <ac:chgData name="pugalgamerstamil@gmail.com" userId="eb978b10dc3c3342" providerId="LiveId" clId="{8EA54259-33E0-41F4-9BC4-7F8465EE9DB4}" dt="2024-05-05T13:26:17.071" v="2823" actId="1076"/>
-          <ac:spMkLst>
-            <pc:docMk/>
-            <pc:sldMk cId="2951670159" sldId="263"/>
-            <ac:spMk id="6" creationId="{F547107C-258A-468E-AA98-108C0BFDCADD}"/>
-          </ac:spMkLst>
-        </pc:spChg>
-        <pc:spChg chg="add mod">
-          <ac:chgData name="pugalgamerstamil@gmail.com" userId="eb978b10dc3c3342" providerId="LiveId" clId="{8EA54259-33E0-41F4-9BC4-7F8465EE9DB4}" dt="2024-05-05T13:27:03.560" v="2825" actId="1076"/>
-          <ac:spMkLst>
-            <pc:docMk/>
-            <pc:sldMk cId="2951670159" sldId="263"/>
-            <ac:spMk id="8" creationId="{88A1173C-DCF9-47EF-81CA-AA97CBB0BDD3}"/>
-          </ac:spMkLst>
-        </pc:spChg>
-        <pc:spChg chg="add mod">
-          <ac:chgData name="pugalgamerstamil@gmail.com" userId="eb978b10dc3c3342" providerId="LiveId" clId="{8EA54259-33E0-41F4-9BC4-7F8465EE9DB4}" dt="2024-05-05T13:27:43.371" v="2837" actId="113"/>
-          <ac:spMkLst>
-            <pc:docMk/>
-            <pc:sldMk cId="2951670159" sldId="263"/>
-            <ac:spMk id="9" creationId="{CE3BCECB-A2A4-4132-A7B5-32D16377DA58}"/>
-          </ac:spMkLst>
-        </pc:spChg>
-      </pc:sldChg>
-      <pc:sldChg chg="addSp modSp new mod">
-        <pc:chgData name="pugalgamerstamil@gmail.com" userId="eb978b10dc3c3342" providerId="LiveId" clId="{8EA54259-33E0-41F4-9BC4-7F8465EE9DB4}" dt="2024-05-05T14:16:00.694" v="3214" actId="20577"/>
-        <pc:sldMkLst>
-          <pc:docMk/>
-          <pc:sldMk cId="2252017267" sldId="264"/>
-        </pc:sldMkLst>
-        <pc:spChg chg="add mod">
-          <ac:chgData name="pugalgamerstamil@gmail.com" userId="eb978b10dc3c3342" providerId="LiveId" clId="{8EA54259-33E0-41F4-9BC4-7F8465EE9DB4}" dt="2024-05-05T13:32:50.207" v="2847" actId="1076"/>
-          <ac:spMkLst>
-            <pc:docMk/>
-            <pc:sldMk cId="2252017267" sldId="264"/>
-            <ac:spMk id="2" creationId="{F7F61AF2-0842-4782-A5C8-7A0C1599A91F}"/>
-          </ac:spMkLst>
-        </pc:spChg>
-        <pc:spChg chg="add mod">
-          <ac:chgData name="pugalgamerstamil@gmail.com" userId="eb978b10dc3c3342" providerId="LiveId" clId="{8EA54259-33E0-41F4-9BC4-7F8465EE9DB4}" dt="2024-05-05T13:51:21.968" v="3087" actId="1076"/>
-          <ac:spMkLst>
-            <pc:docMk/>
-            <pc:sldMk cId="2252017267" sldId="264"/>
-            <ac:spMk id="3" creationId="{926C9B50-7225-4118-950A-E939F61E62E6}"/>
-          </ac:spMkLst>
-        </pc:spChg>
-        <pc:spChg chg="add mod">
-          <ac:chgData name="pugalgamerstamil@gmail.com" userId="eb978b10dc3c3342" providerId="LiveId" clId="{8EA54259-33E0-41F4-9BC4-7F8465EE9DB4}" dt="2024-05-05T13:51:26.647" v="3088" actId="1076"/>
-          <ac:spMkLst>
-            <pc:docMk/>
-            <pc:sldMk cId="2252017267" sldId="264"/>
-            <ac:spMk id="4" creationId="{9F8A8F71-D473-492D-A62A-D32069C14073}"/>
-          </ac:spMkLst>
-        </pc:spChg>
-        <pc:spChg chg="add mod">
-          <ac:chgData name="pugalgamerstamil@gmail.com" userId="eb978b10dc3c3342" providerId="LiveId" clId="{8EA54259-33E0-41F4-9BC4-7F8465EE9DB4}" dt="2024-05-05T14:01:44.801" v="3093" actId="20577"/>
-          <ac:spMkLst>
-            <pc:docMk/>
-            <pc:sldMk cId="2252017267" sldId="264"/>
-            <ac:spMk id="5" creationId="{27EAABB6-85CE-4208-9E25-FFC72B6034FB}"/>
-          </ac:spMkLst>
-        </pc:spChg>
-        <pc:spChg chg="add mod">
-          <ac:chgData name="pugalgamerstamil@gmail.com" userId="eb978b10dc3c3342" providerId="LiveId" clId="{8EA54259-33E0-41F4-9BC4-7F8465EE9DB4}" dt="2024-05-05T14:16:00.694" v="3214" actId="20577"/>
-          <ac:spMkLst>
-            <pc:docMk/>
-            <pc:sldMk cId="2252017267" sldId="264"/>
-            <ac:spMk id="6" creationId="{1EB407B5-2524-4D2A-8BFA-3D16A36DA818}"/>
-          </ac:spMkLst>
-        </pc:spChg>
-      </pc:sldChg>
-      <pc:sldChg chg="addSp delSp modSp new mod">
-        <pc:chgData name="pugalgamerstamil@gmail.com" userId="eb978b10dc3c3342" providerId="LiveId" clId="{8EA54259-33E0-41F4-9BC4-7F8465EE9DB4}" dt="2024-05-05T14:25:17.616" v="3447" actId="1076"/>
-        <pc:sldMkLst>
-          <pc:docMk/>
-          <pc:sldMk cId="4281850808" sldId="265"/>
-        </pc:sldMkLst>
-        <pc:spChg chg="add mod">
-          <ac:chgData name="pugalgamerstamil@gmail.com" userId="eb978b10dc3c3342" providerId="LiveId" clId="{8EA54259-33E0-41F4-9BC4-7F8465EE9DB4}" dt="2024-05-05T14:15:44.502" v="3207"/>
-          <ac:spMkLst>
-            <pc:docMk/>
-            <pc:sldMk cId="4281850808" sldId="265"/>
-            <ac:spMk id="2" creationId="{21A991E5-41D4-479B-9EE5-9C7C60C0671E}"/>
-          </ac:spMkLst>
-        </pc:spChg>
-        <pc:spChg chg="add mod">
-          <ac:chgData name="pugalgamerstamil@gmail.com" userId="eb978b10dc3c3342" providerId="LiveId" clId="{8EA54259-33E0-41F4-9BC4-7F8465EE9DB4}" dt="2024-05-05T14:23:11.549" v="3244"/>
-          <ac:spMkLst>
-            <pc:docMk/>
-            <pc:sldMk cId="4281850808" sldId="265"/>
-            <ac:spMk id="4" creationId="{45FAF4AB-8C14-4C95-997A-980CA231E85F}"/>
-          </ac:spMkLst>
-        </pc:spChg>
-        <pc:spChg chg="add mod">
-          <ac:chgData name="pugalgamerstamil@gmail.com" userId="eb978b10dc3c3342" providerId="LiveId" clId="{8EA54259-33E0-41F4-9BC4-7F8465EE9DB4}" dt="2024-05-05T14:17:24.709" v="3221" actId="1076"/>
-          <ac:spMkLst>
-            <pc:docMk/>
-            <pc:sldMk cId="4281850808" sldId="265"/>
-            <ac:spMk id="5" creationId="{B720056F-EB6C-443B-8370-0462AD05CCF9}"/>
-          </ac:spMkLst>
-        </pc:spChg>
-        <pc:spChg chg="add mod">
-          <ac:chgData name="pugalgamerstamil@gmail.com" userId="eb978b10dc3c3342" providerId="LiveId" clId="{8EA54259-33E0-41F4-9BC4-7F8465EE9DB4}" dt="2024-05-05T14:17:24.709" v="3221" actId="1076"/>
-          <ac:spMkLst>
-            <pc:docMk/>
-            <pc:sldMk cId="4281850808" sldId="265"/>
-            <ac:spMk id="6" creationId="{B912B54F-786F-49EF-AE7C-DCF910571A20}"/>
-          </ac:spMkLst>
-        </pc:spChg>
-        <pc:spChg chg="add mod">
-          <ac:chgData name="pugalgamerstamil@gmail.com" userId="eb978b10dc3c3342" providerId="LiveId" clId="{8EA54259-33E0-41F4-9BC4-7F8465EE9DB4}" dt="2024-05-05T14:21:50.483" v="3238" actId="1076"/>
-          <ac:spMkLst>
-            <pc:docMk/>
-            <pc:sldMk cId="4281850808" sldId="265"/>
-            <ac:spMk id="8" creationId="{27C15927-20CD-4716-BB42-E4EC534351D4}"/>
-          </ac:spMkLst>
-        </pc:spChg>
-        <pc:spChg chg="add mod">
-          <ac:chgData name="pugalgamerstamil@gmail.com" userId="eb978b10dc3c3342" providerId="LiveId" clId="{8EA54259-33E0-41F4-9BC4-7F8465EE9DB4}" dt="2024-05-05T14:20:57.965" v="3231" actId="1076"/>
-          <ac:spMkLst>
-            <pc:docMk/>
-            <pc:sldMk cId="4281850808" sldId="265"/>
-            <ac:spMk id="9" creationId="{FABED70E-367B-41FE-BF7B-D0EA50C4A54C}"/>
-          </ac:spMkLst>
-        </pc:spChg>
-        <pc:spChg chg="add mod">
-          <ac:chgData name="pugalgamerstamil@gmail.com" userId="eb978b10dc3c3342" providerId="LiveId" clId="{8EA54259-33E0-41F4-9BC4-7F8465EE9DB4}" dt="2024-05-05T14:21:43.402" v="3237" actId="208"/>
-          <ac:spMkLst>
-            <pc:docMk/>
-            <pc:sldMk cId="4281850808" sldId="265"/>
-            <ac:spMk id="10" creationId="{564CD223-16B2-445A-8AC5-C600D6122626}"/>
-          </ac:spMkLst>
-        </pc:spChg>
-        <pc:spChg chg="add del mod">
-          <ac:chgData name="pugalgamerstamil@gmail.com" userId="eb978b10dc3c3342" providerId="LiveId" clId="{8EA54259-33E0-41F4-9BC4-7F8465EE9DB4}" dt="2024-05-05T14:24:16.958" v="3438" actId="478"/>
-          <ac:spMkLst>
-            <pc:docMk/>
-            <pc:sldMk cId="4281850808" sldId="265"/>
-            <ac:spMk id="12" creationId="{CD4531E8-BDE7-418A-B6C2-2DC0A6AE1A8F}"/>
-          </ac:spMkLst>
-        </pc:spChg>
-        <pc:spChg chg="add mod">
-          <ac:chgData name="pugalgamerstamil@gmail.com" userId="eb978b10dc3c3342" providerId="LiveId" clId="{8EA54259-33E0-41F4-9BC4-7F8465EE9DB4}" dt="2024-05-05T14:24:30.191" v="3444" actId="20577"/>
-          <ac:spMkLst>
-            <pc:docMk/>
-            <pc:sldMk cId="4281850808" sldId="265"/>
-            <ac:spMk id="14" creationId="{FC79D2A5-ECB1-412C-A210-24F764F06042}"/>
-          </ac:spMkLst>
-        </pc:spChg>
-        <pc:spChg chg="add mod">
-          <ac:chgData name="pugalgamerstamil@gmail.com" userId="eb978b10dc3c3342" providerId="LiveId" clId="{8EA54259-33E0-41F4-9BC4-7F8465EE9DB4}" dt="2024-05-05T14:25:17.616" v="3447" actId="1076"/>
-          <ac:spMkLst>
-            <pc:docMk/>
-            <pc:sldMk cId="4281850808" sldId="265"/>
-            <ac:spMk id="16" creationId="{45167CE2-1B37-473A-8623-29F097F9BF06}"/>
-          </ac:spMkLst>
-        </pc:spChg>
-      </pc:sldChg>
-      <pc:sldChg chg="addSp modSp new mod">
-        <pc:chgData name="pugalgamerstamil@gmail.com" userId="eb978b10dc3c3342" providerId="LiveId" clId="{8EA54259-33E0-41F4-9BC4-7F8465EE9DB4}" dt="2024-05-05T14:29:42.203" v="3485" actId="1076"/>
-        <pc:sldMkLst>
-          <pc:docMk/>
-          <pc:sldMk cId="3908499337" sldId="266"/>
-        </pc:sldMkLst>
-        <pc:spChg chg="add mod">
-          <ac:chgData name="pugalgamerstamil@gmail.com" userId="eb978b10dc3c3342" providerId="LiveId" clId="{8EA54259-33E0-41F4-9BC4-7F8465EE9DB4}" dt="2024-05-05T14:26:44.242" v="3460" actId="20577"/>
-          <ac:spMkLst>
-            <pc:docMk/>
-            <pc:sldMk cId="3908499337" sldId="266"/>
-            <ac:spMk id="3" creationId="{E5D17476-8EA8-4D91-A42C-2AEDF527B7C4}"/>
-          </ac:spMkLst>
-        </pc:spChg>
-        <pc:spChg chg="add mod">
-          <ac:chgData name="pugalgamerstamil@gmail.com" userId="eb978b10dc3c3342" providerId="LiveId" clId="{8EA54259-33E0-41F4-9BC4-7F8465EE9DB4}" dt="2024-05-05T14:25:54.982" v="3452"/>
-          <ac:spMkLst>
-            <pc:docMk/>
-            <pc:sldMk cId="3908499337" sldId="266"/>
-            <ac:spMk id="4" creationId="{BED636BB-7AA7-45FD-86E3-D73FB4DC31E0}"/>
-          </ac:spMkLst>
-        </pc:spChg>
-        <pc:spChg chg="add mod">
-          <ac:chgData name="pugalgamerstamil@gmail.com" userId="eb978b10dc3c3342" providerId="LiveId" clId="{8EA54259-33E0-41F4-9BC4-7F8465EE9DB4}" dt="2024-05-05T14:26:08.685" v="3454" actId="1076"/>
-          <ac:spMkLst>
-            <pc:docMk/>
-            <pc:sldMk cId="3908499337" sldId="266"/>
-            <ac:spMk id="5" creationId="{82F198AC-F251-4319-B29C-0901DE9699EE}"/>
-          </ac:spMkLst>
-        </pc:spChg>
-        <pc:spChg chg="add mod">
-          <ac:chgData name="pugalgamerstamil@gmail.com" userId="eb978b10dc3c3342" providerId="LiveId" clId="{8EA54259-33E0-41F4-9BC4-7F8465EE9DB4}" dt="2024-05-05T14:26:55.881" v="3463" actId="1076"/>
-          <ac:spMkLst>
-            <pc:docMk/>
-            <pc:sldMk cId="3908499337" sldId="266"/>
-            <ac:spMk id="7" creationId="{358825EA-DEB8-4157-BAFE-30E25128CBE6}"/>
-          </ac:spMkLst>
-        </pc:spChg>
-        <pc:spChg chg="add mod">
-          <ac:chgData name="pugalgamerstamil@gmail.com" userId="eb978b10dc3c3342" providerId="LiveId" clId="{8EA54259-33E0-41F4-9BC4-7F8465EE9DB4}" dt="2024-05-05T14:28:25.147" v="3471" actId="1076"/>
-          <ac:spMkLst>
-            <pc:docMk/>
-            <pc:sldMk cId="3908499337" sldId="266"/>
-            <ac:spMk id="9" creationId="{C6D99F16-7269-4EA6-92D0-C9C8505488EB}"/>
-          </ac:spMkLst>
-        </pc:spChg>
-        <pc:spChg chg="add mod">
-          <ac:chgData name="pugalgamerstamil@gmail.com" userId="eb978b10dc3c3342" providerId="LiveId" clId="{8EA54259-33E0-41F4-9BC4-7F8465EE9DB4}" dt="2024-05-05T14:28:12.998" v="3466" actId="1076"/>
-          <ac:spMkLst>
-            <pc:docMk/>
-            <pc:sldMk cId="3908499337" sldId="266"/>
-            <ac:spMk id="10" creationId="{542A5422-3101-4E9A-824C-DEE51883FCED}"/>
-          </ac:spMkLst>
-        </pc:spChg>
-        <pc:spChg chg="add mod">
-          <ac:chgData name="pugalgamerstamil@gmail.com" userId="eb978b10dc3c3342" providerId="LiveId" clId="{8EA54259-33E0-41F4-9BC4-7F8465EE9DB4}" dt="2024-05-05T14:28:41.269" v="3473" actId="1076"/>
-          <ac:spMkLst>
-            <pc:docMk/>
-            <pc:sldMk cId="3908499337" sldId="266"/>
-            <ac:spMk id="12" creationId="{E5D3F60E-B038-4801-BB23-4330EE5A111C}"/>
-          </ac:spMkLst>
-        </pc:spChg>
-        <pc:spChg chg="add mod">
-          <ac:chgData name="pugalgamerstamil@gmail.com" userId="eb978b10dc3c3342" providerId="LiveId" clId="{8EA54259-33E0-41F4-9BC4-7F8465EE9DB4}" dt="2024-05-05T14:28:51.657" v="3475" actId="1076"/>
-          <ac:spMkLst>
-            <pc:docMk/>
-            <pc:sldMk cId="3908499337" sldId="266"/>
-            <ac:spMk id="13" creationId="{FD0C01F6-919C-4344-9FB8-35AF32AB5E54}"/>
-          </ac:spMkLst>
-        </pc:spChg>
-        <pc:spChg chg="add mod">
-          <ac:chgData name="pugalgamerstamil@gmail.com" userId="eb978b10dc3c3342" providerId="LiveId" clId="{8EA54259-33E0-41F4-9BC4-7F8465EE9DB4}" dt="2024-05-05T14:29:36.156" v="3483"/>
-          <ac:spMkLst>
-            <pc:docMk/>
-            <pc:sldMk cId="3908499337" sldId="266"/>
-            <ac:spMk id="15" creationId="{478A6818-D9D2-4FB5-83A8-99B99C5EB864}"/>
-          </ac:spMkLst>
-        </pc:spChg>
-        <pc:spChg chg="add mod">
-          <ac:chgData name="pugalgamerstamil@gmail.com" userId="eb978b10dc3c3342" providerId="LiveId" clId="{8EA54259-33E0-41F4-9BC4-7F8465EE9DB4}" dt="2024-05-05T14:29:42.203" v="3485" actId="1076"/>
-          <ac:spMkLst>
-            <pc:docMk/>
-            <pc:sldMk cId="3908499337" sldId="266"/>
-            <ac:spMk id="17" creationId="{3E4B900F-9435-4D1B-8D5B-78DD19921A9C}"/>
-          </ac:spMkLst>
-        </pc:spChg>
-      </pc:sldChg>
-      <pc:sldChg chg="addSp modSp new mod">
-        <pc:chgData name="pugalgamerstamil@gmail.com" userId="eb978b10dc3c3342" providerId="LiveId" clId="{8EA54259-33E0-41F4-9BC4-7F8465EE9DB4}" dt="2024-05-05T14:32:00.813" v="3497" actId="20577"/>
-        <pc:sldMkLst>
-          <pc:docMk/>
-          <pc:sldMk cId="947375698" sldId="267"/>
-        </pc:sldMkLst>
-        <pc:spChg chg="add mod">
-          <ac:chgData name="pugalgamerstamil@gmail.com" userId="eb978b10dc3c3342" providerId="LiveId" clId="{8EA54259-33E0-41F4-9BC4-7F8465EE9DB4}" dt="2024-05-05T14:29:53.527" v="3487"/>
-          <ac:spMkLst>
-            <pc:docMk/>
-            <pc:sldMk cId="947375698" sldId="267"/>
-            <ac:spMk id="2" creationId="{83DFCCCD-E856-4394-A7E0-9438B45F413C}"/>
-          </ac:spMkLst>
-        </pc:spChg>
-        <pc:spChg chg="add mod">
-          <ac:chgData name="pugalgamerstamil@gmail.com" userId="eb978b10dc3c3342" providerId="LiveId" clId="{8EA54259-33E0-41F4-9BC4-7F8465EE9DB4}" dt="2024-05-05T14:30:00.762" v="3488"/>
-          <ac:spMkLst>
-            <pc:docMk/>
-            <pc:sldMk cId="947375698" sldId="267"/>
-            <ac:spMk id="3" creationId="{86D17F70-2BF5-4762-B152-8C16DC043251}"/>
-          </ac:spMkLst>
-        </pc:spChg>
-        <pc:spChg chg="add mod">
-          <ac:chgData name="pugalgamerstamil@gmail.com" userId="eb978b10dc3c3342" providerId="LiveId" clId="{8EA54259-33E0-41F4-9BC4-7F8465EE9DB4}" dt="2024-05-05T14:31:31.374" v="3491" actId="20577"/>
-          <ac:spMkLst>
-            <pc:docMk/>
-            <pc:sldMk cId="947375698" sldId="267"/>
-            <ac:spMk id="5" creationId="{DC14DB8C-74E3-4DDF-86C7-D85F7473E42E}"/>
-          </ac:spMkLst>
-        </pc:spChg>
-        <pc:spChg chg="add mod">
-          <ac:chgData name="pugalgamerstamil@gmail.com" userId="eb978b10dc3c3342" providerId="LiveId" clId="{8EA54259-33E0-41F4-9BC4-7F8465EE9DB4}" dt="2024-05-05T14:32:00.813" v="3497" actId="20577"/>
-          <ac:spMkLst>
-            <pc:docMk/>
-            <pc:sldMk cId="947375698" sldId="267"/>
-            <ac:spMk id="7" creationId="{B8DD6BDA-8415-457A-8AC2-B258BF0DC2F1}"/>
-          </ac:spMkLst>
-        </pc:spChg>
-      </pc:sldChg>
-      <pc:sldChg chg="addSp delSp modSp new mod">
-        <pc:chgData name="pugalgamerstamil@gmail.com" userId="eb978b10dc3c3342" providerId="LiveId" clId="{8EA54259-33E0-41F4-9BC4-7F8465EE9DB4}" dt="2024-05-05T14:58:53.610" v="3750" actId="2085"/>
-        <pc:sldMkLst>
-          <pc:docMk/>
-          <pc:sldMk cId="1136084113" sldId="268"/>
-        </pc:sldMkLst>
-        <pc:spChg chg="add mod">
-          <ac:chgData name="pugalgamerstamil@gmail.com" userId="eb978b10dc3c3342" providerId="LiveId" clId="{8EA54259-33E0-41F4-9BC4-7F8465EE9DB4}" dt="2024-05-05T14:48:42.275" v="3502" actId="113"/>
-          <ac:spMkLst>
-            <pc:docMk/>
-            <pc:sldMk cId="1136084113" sldId="268"/>
-            <ac:spMk id="3" creationId="{08017F89-5DD0-4362-8EF1-557BB557134C}"/>
-          </ac:spMkLst>
-        </pc:spChg>
-        <pc:spChg chg="add mod">
-          <ac:chgData name="pugalgamerstamil@gmail.com" userId="eb978b10dc3c3342" providerId="LiveId" clId="{8EA54259-33E0-41F4-9BC4-7F8465EE9DB4}" dt="2024-05-05T14:53:35.617" v="3535" actId="1076"/>
-          <ac:spMkLst>
-            <pc:docMk/>
-            <pc:sldMk cId="1136084113" sldId="268"/>
-            <ac:spMk id="4" creationId="{6029607D-2A53-4DC3-B650-623F3F73D2E5}"/>
-          </ac:spMkLst>
-        </pc:spChg>
-        <pc:spChg chg="add mod">
-          <ac:chgData name="pugalgamerstamil@gmail.com" userId="eb978b10dc3c3342" providerId="LiveId" clId="{8EA54259-33E0-41F4-9BC4-7F8465EE9DB4}" dt="2024-05-05T14:54:56.628" v="3623" actId="1076"/>
-          <ac:spMkLst>
-            <pc:docMk/>
-            <pc:sldMk cId="1136084113" sldId="268"/>
-            <ac:spMk id="5" creationId="{94D41635-E9F5-4620-ACF2-1BA50FD7CAD7}"/>
-          </ac:spMkLst>
-        </pc:spChg>
-        <pc:spChg chg="add mod">
-          <ac:chgData name="pugalgamerstamil@gmail.com" userId="eb978b10dc3c3342" providerId="LiveId" clId="{8EA54259-33E0-41F4-9BC4-7F8465EE9DB4}" dt="2024-05-05T14:56:44.876" v="3722" actId="1076"/>
-          <ac:spMkLst>
-            <pc:docMk/>
-            <pc:sldMk cId="1136084113" sldId="268"/>
-            <ac:spMk id="6" creationId="{6ACA6F23-5D54-452B-B27C-02C04F79C40F}"/>
-          </ac:spMkLst>
-        </pc:spChg>
-        <pc:spChg chg="add del mod">
-          <ac:chgData name="pugalgamerstamil@gmail.com" userId="eb978b10dc3c3342" providerId="LiveId" clId="{8EA54259-33E0-41F4-9BC4-7F8465EE9DB4}" dt="2024-05-05T14:57:12.676" v="3728" actId="11529"/>
-          <ac:spMkLst>
-            <pc:docMk/>
-            <pc:sldMk cId="1136084113" sldId="268"/>
-            <ac:spMk id="7" creationId="{C5A6E6EE-C3AE-45B3-A7E8-C9AAFA7513B1}"/>
-          </ac:spMkLst>
-        </pc:spChg>
-        <pc:spChg chg="add mod">
-          <ac:chgData name="pugalgamerstamil@gmail.com" userId="eb978b10dc3c3342" providerId="LiveId" clId="{8EA54259-33E0-41F4-9BC4-7F8465EE9DB4}" dt="2024-05-05T14:58:50.235" v="3749" actId="2085"/>
-          <ac:spMkLst>
-            <pc:docMk/>
-            <pc:sldMk cId="1136084113" sldId="268"/>
-            <ac:spMk id="8" creationId="{A1A804AD-24F3-49A3-AD0A-102F467FC7DD}"/>
-          </ac:spMkLst>
-        </pc:spChg>
-        <pc:spChg chg="add mod">
-          <ac:chgData name="pugalgamerstamil@gmail.com" userId="eb978b10dc3c3342" providerId="LiveId" clId="{8EA54259-33E0-41F4-9BC4-7F8465EE9DB4}" dt="2024-05-05T14:58:53.610" v="3750" actId="2085"/>
-          <ac:spMkLst>
-            <pc:docMk/>
-            <pc:sldMk cId="1136084113" sldId="268"/>
-            <ac:spMk id="9" creationId="{243D21AE-90C6-47EC-BCB9-584454BCD1C9}"/>
-          </ac:spMkLst>
-        </pc:spChg>
-      </pc:sldChg>
-      <pc:sldChg chg="addSp modSp new mod">
-        <pc:chgData name="pugalgamerstamil@gmail.com" userId="eb978b10dc3c3342" providerId="LiveId" clId="{8EA54259-33E0-41F4-9BC4-7F8465EE9DB4}" dt="2024-05-05T14:59:21.189" v="3754" actId="1076"/>
-        <pc:sldMkLst>
-          <pc:docMk/>
-          <pc:sldMk cId="2678553115" sldId="269"/>
-        </pc:sldMkLst>
-        <pc:picChg chg="add mod">
-          <ac:chgData name="pugalgamerstamil@gmail.com" userId="eb978b10dc3c3342" providerId="LiveId" clId="{8EA54259-33E0-41F4-9BC4-7F8465EE9DB4}" dt="2024-05-05T14:59:21.189" v="3754" actId="1076"/>
-          <ac:picMkLst>
-            <pc:docMk/>
-            <pc:sldMk cId="2678553115" sldId="269"/>
-            <ac:picMk id="3" creationId="{6AD9A026-9983-455E-8CAE-092726458E07}"/>
-          </ac:picMkLst>
-        </pc:picChg>
-      </pc:sldChg>
-    </pc:docChg>
-  </pc:docChgLst>
-</pc:chgInfo>
-</file>
-
 <file path=ppt/slideLayouts/slideLayout1.xml><?xml version="1.0" encoding="utf-8"?>
 <p:sldLayout xmlns:a="http://schemas.openxmlformats.org/drawingml/2006/main" xmlns:r="http://schemas.openxmlformats.org/officeDocument/2006/relationships" xmlns:p="http://schemas.openxmlformats.org/presentationml/2006/main" type="title" preserve="1">
   <p:cSld name="Title Slide">
@@ -1317,7 +286,7 @@
           <a:p>
             <a:fld id="{7CDD9B8F-23A4-4F5D-883F-A0C3C761C41B}" type="datetimeFigureOut">
               <a:rPr lang="en-IN" smtClean="0"/>
-              <a:t>05-05-2024</a:t>
+              <a:t>06-05-2024</a:t>
             </a:fld>
             <a:endParaRPr lang="en-IN"/>
           </a:p>
@@ -1517,7 +486,7 @@
           <a:p>
             <a:fld id="{7CDD9B8F-23A4-4F5D-883F-A0C3C761C41B}" type="datetimeFigureOut">
               <a:rPr lang="en-IN" smtClean="0"/>
-              <a:t>05-05-2024</a:t>
+              <a:t>06-05-2024</a:t>
             </a:fld>
             <a:endParaRPr lang="en-IN"/>
           </a:p>
@@ -1727,7 +696,7 @@
           <a:p>
             <a:fld id="{7CDD9B8F-23A4-4F5D-883F-A0C3C761C41B}" type="datetimeFigureOut">
               <a:rPr lang="en-IN" smtClean="0"/>
-              <a:t>05-05-2024</a:t>
+              <a:t>06-05-2024</a:t>
             </a:fld>
             <a:endParaRPr lang="en-IN"/>
           </a:p>
@@ -1927,7 +896,7 @@
           <a:p>
             <a:fld id="{7CDD9B8F-23A4-4F5D-883F-A0C3C761C41B}" type="datetimeFigureOut">
               <a:rPr lang="en-IN" smtClean="0"/>
-              <a:t>05-05-2024</a:t>
+              <a:t>06-05-2024</a:t>
             </a:fld>
             <a:endParaRPr lang="en-IN"/>
           </a:p>
@@ -2203,7 +1172,7 @@
           <a:p>
             <a:fld id="{7CDD9B8F-23A4-4F5D-883F-A0C3C761C41B}" type="datetimeFigureOut">
               <a:rPr lang="en-IN" smtClean="0"/>
-              <a:t>05-05-2024</a:t>
+              <a:t>06-05-2024</a:t>
             </a:fld>
             <a:endParaRPr lang="en-IN"/>
           </a:p>
@@ -2471,7 +1440,7 @@
           <a:p>
             <a:fld id="{7CDD9B8F-23A4-4F5D-883F-A0C3C761C41B}" type="datetimeFigureOut">
               <a:rPr lang="en-IN" smtClean="0"/>
-              <a:t>05-05-2024</a:t>
+              <a:t>06-05-2024</a:t>
             </a:fld>
             <a:endParaRPr lang="en-IN"/>
           </a:p>
@@ -2886,7 +1855,7 @@
           <a:p>
             <a:fld id="{7CDD9B8F-23A4-4F5D-883F-A0C3C761C41B}" type="datetimeFigureOut">
               <a:rPr lang="en-IN" smtClean="0"/>
-              <a:t>05-05-2024</a:t>
+              <a:t>06-05-2024</a:t>
             </a:fld>
             <a:endParaRPr lang="en-IN"/>
           </a:p>
@@ -3028,7 +1997,7 @@
           <a:p>
             <a:fld id="{7CDD9B8F-23A4-4F5D-883F-A0C3C761C41B}" type="datetimeFigureOut">
               <a:rPr lang="en-IN" smtClean="0"/>
-              <a:t>05-05-2024</a:t>
+              <a:t>06-05-2024</a:t>
             </a:fld>
             <a:endParaRPr lang="en-IN"/>
           </a:p>
@@ -3141,7 +2110,7 @@
           <a:p>
             <a:fld id="{7CDD9B8F-23A4-4F5D-883F-A0C3C761C41B}" type="datetimeFigureOut">
               <a:rPr lang="en-IN" smtClean="0"/>
-              <a:t>05-05-2024</a:t>
+              <a:t>06-05-2024</a:t>
             </a:fld>
             <a:endParaRPr lang="en-IN"/>
           </a:p>
@@ -3454,7 +2423,7 @@
           <a:p>
             <a:fld id="{7CDD9B8F-23A4-4F5D-883F-A0C3C761C41B}" type="datetimeFigureOut">
               <a:rPr lang="en-IN" smtClean="0"/>
-              <a:t>05-05-2024</a:t>
+              <a:t>06-05-2024</a:t>
             </a:fld>
             <a:endParaRPr lang="en-IN"/>
           </a:p>
@@ -3743,7 +2712,7 @@
           <a:p>
             <a:fld id="{7CDD9B8F-23A4-4F5D-883F-A0C3C761C41B}" type="datetimeFigureOut">
               <a:rPr lang="en-IN" smtClean="0"/>
-              <a:t>05-05-2024</a:t>
+              <a:t>06-05-2024</a:t>
             </a:fld>
             <a:endParaRPr lang="en-IN"/>
           </a:p>
@@ -3986,7 +2955,7 @@
           <a:p>
             <a:fld id="{7CDD9B8F-23A4-4F5D-883F-A0C3C761C41B}" type="datetimeFigureOut">
               <a:rPr lang="en-IN" smtClean="0"/>
-              <a:t>05-05-2024</a:t>
+              <a:t>06-05-2024</a:t>
             </a:fld>
             <a:endParaRPr lang="en-IN"/>
           </a:p>
@@ -6288,7 +5257,7 @@
           <a:p>
             <a:r>
               <a:rPr lang="en-IN" dirty="0"/>
-              <a:t>Salam </a:t>
+              <a:t>Salem </a:t>
             </a:r>
           </a:p>
         </p:txBody>
@@ -13072,7 +12041,15 @@
           <a:p>
             <a:r>
               <a:rPr lang="en-US" dirty="0"/>
-              <a:t>Salam</a:t>
+              <a:t>Sal</a:t>
+            </a:r>
+            <a:r>
+              <a:rPr lang="en-IN" dirty="0"/>
+              <a:t>e</a:t>
+            </a:r>
+            <a:r>
+              <a:rPr lang="en-US" dirty="0"/>
+              <a:t>m</a:t>
             </a:r>
             <a:endParaRPr lang="en-IN" dirty="0"/>
           </a:p>
@@ -13261,7 +12238,37 @@
                 <a:latin typeface="Times New Roman" panose="02020603050405020304" pitchFamily="18" charset="0"/>
                 <a:cs typeface="Times New Roman" panose="02020603050405020304" pitchFamily="18" charset="0"/>
               </a:rPr>
-              <a:t> 29</a:t>
+              <a:t> </a:t>
+            </a:r>
+            <a:r>
+              <a:rPr lang="en-IN" b="1" dirty="0">
+                <a:latin typeface="Times New Roman" panose="02020603050405020304" pitchFamily="18" charset="0"/>
+                <a:cs typeface="Times New Roman" panose="02020603050405020304" pitchFamily="18" charset="0"/>
+              </a:rPr>
+              <a:t>20</a:t>
+            </a:r>
+            <a:r>
+              <a:rPr lang="en-US" b="1" baseline="30000" dirty="0" err="1">
+                <a:latin typeface="Times New Roman" panose="02020603050405020304" pitchFamily="18" charset="0"/>
+                <a:cs typeface="Times New Roman" panose="02020603050405020304" pitchFamily="18" charset="0"/>
+              </a:rPr>
+              <a:t>th</a:t>
+            </a:r>
+            <a:r>
+              <a:rPr lang="en-US" b="1" dirty="0">
+                <a:latin typeface="Times New Roman" panose="02020603050405020304" pitchFamily="18" charset="0"/>
+                <a:cs typeface="Times New Roman" panose="02020603050405020304" pitchFamily="18" charset="0"/>
+              </a:rPr>
+              <a:t> position is S</a:t>
+            </a:r>
+          </a:p>
+          <a:p>
+            <a:r>
+              <a:rPr lang="en-US" b="1" dirty="0">
+                <a:latin typeface="Times New Roman" panose="02020603050405020304" pitchFamily="18" charset="0"/>
+                <a:cs typeface="Times New Roman" panose="02020603050405020304" pitchFamily="18" charset="0"/>
+              </a:rPr>
+              <a:t>4</a:t>
             </a:r>
             <a:r>
               <a:rPr lang="en-US" b="1" baseline="30000" dirty="0">
@@ -13275,47 +12282,31 @@
                 <a:latin typeface="Times New Roman" panose="02020603050405020304" pitchFamily="18" charset="0"/>
                 <a:cs typeface="Times New Roman" panose="02020603050405020304" pitchFamily="18" charset="0"/>
               </a:rPr>
-              <a:t> position is S</a:t>
-            </a:r>
-          </a:p>
-          <a:p>
+              <a:t> </a:t>
+            </a:r>
+            <a:r>
+              <a:rPr lang="en-US" b="1" dirty="0" err="1">
+                <a:latin typeface="Times New Roman" panose="02020603050405020304" pitchFamily="18" charset="0"/>
+                <a:cs typeface="Times New Roman" panose="02020603050405020304" pitchFamily="18" charset="0"/>
+              </a:rPr>
+              <a:t>lind</a:t>
+            </a:r>
             <a:r>
               <a:rPr lang="en-US" b="1" dirty="0">
                 <a:latin typeface="Times New Roman" panose="02020603050405020304" pitchFamily="18" charset="0"/>
                 <a:cs typeface="Times New Roman" panose="02020603050405020304" pitchFamily="18" charset="0"/>
               </a:rPr>
-              <a:t>4</a:t>
-            </a:r>
-            <a:r>
-              <a:rPr lang="en-US" b="1" baseline="30000" dirty="0">
+              <a:t> 3</a:t>
+            </a:r>
+            <a:r>
+              <a:rPr lang="en-IN" b="1" dirty="0">
                 <a:latin typeface="Times New Roman" panose="02020603050405020304" pitchFamily="18" charset="0"/>
                 <a:cs typeface="Times New Roman" panose="02020603050405020304" pitchFamily="18" charset="0"/>
               </a:rPr>
-              <a:t>th</a:t>
-            </a:r>
-            <a:r>
-              <a:rPr lang="en-US" b="1" dirty="0">
-                <a:latin typeface="Times New Roman" panose="02020603050405020304" pitchFamily="18" charset="0"/>
-                <a:cs typeface="Times New Roman" panose="02020603050405020304" pitchFamily="18" charset="0"/>
-              </a:rPr>
-              <a:t> </a:t>
-            </a:r>
-            <a:r>
-              <a:rPr lang="en-US" b="1" dirty="0" err="1">
-                <a:latin typeface="Times New Roman" panose="02020603050405020304" pitchFamily="18" charset="0"/>
-                <a:cs typeface="Times New Roman" panose="02020603050405020304" pitchFamily="18" charset="0"/>
-              </a:rPr>
-              <a:t>lind</a:t>
-            </a:r>
-            <a:r>
-              <a:rPr lang="en-US" b="1" dirty="0">
-                <a:latin typeface="Times New Roman" panose="02020603050405020304" pitchFamily="18" charset="0"/>
-                <a:cs typeface="Times New Roman" panose="02020603050405020304" pitchFamily="18" charset="0"/>
-              </a:rPr>
-              <a:t> 35</a:t>
-            </a:r>
-            <a:r>
-              <a:rPr lang="en-US" b="1" baseline="30000" dirty="0">
+              <a:t>8</a:t>
+            </a:r>
+            <a:r>
+              <a:rPr lang="en-US" b="1" baseline="30000" dirty="0" err="1">
                 <a:latin typeface="Times New Roman" panose="02020603050405020304" pitchFamily="18" charset="0"/>
                 <a:cs typeface="Times New Roman" panose="02020603050405020304" pitchFamily="18" charset="0"/>
               </a:rPr>
